--- a/计算机应用基础/第4章excel/公式和函数/第4章.pptx
+++ b/计算机应用基础/第4章excel/公式和函数/第4章.pptx
@@ -292,7 +292,7 @@
           <a:p>
             <a:fld id="{530820CF-B880-4189-942D-D702A7CBA730}" type="datetimeFigureOut">
               <a:rPr lang="zh-CN" altLang="en-US" smtClean="0"/>
-              <a:t>2020/5/28</a:t>
+              <a:t>2020/9/13</a:t>
             </a:fld>
             <a:endParaRPr lang="zh-CN" altLang="en-US"/>
           </a:p>
@@ -457,7 +457,7 @@
           <a:p>
             <a:fld id="{530820CF-B880-4189-942D-D702A7CBA730}" type="datetimeFigureOut">
               <a:rPr lang="zh-CN" altLang="en-US" smtClean="0"/>
-              <a:t>2020/5/28</a:t>
+              <a:t>2020/9/13</a:t>
             </a:fld>
             <a:endParaRPr lang="zh-CN" altLang="en-US"/>
           </a:p>
@@ -632,7 +632,7 @@
           <a:p>
             <a:fld id="{530820CF-B880-4189-942D-D702A7CBA730}" type="datetimeFigureOut">
               <a:rPr lang="zh-CN" altLang="en-US" smtClean="0"/>
-              <a:t>2020/5/28</a:t>
+              <a:t>2020/9/13</a:t>
             </a:fld>
             <a:endParaRPr lang="zh-CN" altLang="en-US"/>
           </a:p>
@@ -797,7 +797,7 @@
           <a:p>
             <a:fld id="{530820CF-B880-4189-942D-D702A7CBA730}" type="datetimeFigureOut">
               <a:rPr lang="zh-CN" altLang="en-US" smtClean="0"/>
-              <a:t>2020/5/28</a:t>
+              <a:t>2020/9/13</a:t>
             </a:fld>
             <a:endParaRPr lang="zh-CN" altLang="en-US"/>
           </a:p>
@@ -1038,7 +1038,7 @@
           <a:p>
             <a:fld id="{530820CF-B880-4189-942D-D702A7CBA730}" type="datetimeFigureOut">
               <a:rPr lang="zh-CN" altLang="en-US" smtClean="0"/>
-              <a:t>2020/5/28</a:t>
+              <a:t>2020/9/13</a:t>
             </a:fld>
             <a:endParaRPr lang="zh-CN" altLang="en-US"/>
           </a:p>
@@ -1321,7 +1321,7 @@
           <a:p>
             <a:fld id="{530820CF-B880-4189-942D-D702A7CBA730}" type="datetimeFigureOut">
               <a:rPr lang="zh-CN" altLang="en-US" smtClean="0"/>
-              <a:t>2020/5/28</a:t>
+              <a:t>2020/9/13</a:t>
             </a:fld>
             <a:endParaRPr lang="zh-CN" altLang="en-US"/>
           </a:p>
@@ -1738,7 +1738,7 @@
           <a:p>
             <a:fld id="{530820CF-B880-4189-942D-D702A7CBA730}" type="datetimeFigureOut">
               <a:rPr lang="zh-CN" altLang="en-US" smtClean="0"/>
-              <a:t>2020/5/28</a:t>
+              <a:t>2020/9/13</a:t>
             </a:fld>
             <a:endParaRPr lang="zh-CN" altLang="en-US"/>
           </a:p>
@@ -1851,7 +1851,7 @@
           <a:p>
             <a:fld id="{530820CF-B880-4189-942D-D702A7CBA730}" type="datetimeFigureOut">
               <a:rPr lang="zh-CN" altLang="en-US" smtClean="0"/>
-              <a:t>2020/5/28</a:t>
+              <a:t>2020/9/13</a:t>
             </a:fld>
             <a:endParaRPr lang="zh-CN" altLang="en-US"/>
           </a:p>
@@ -1941,7 +1941,7 @@
           <a:p>
             <a:fld id="{530820CF-B880-4189-942D-D702A7CBA730}" type="datetimeFigureOut">
               <a:rPr lang="zh-CN" altLang="en-US" smtClean="0"/>
-              <a:t>2020/5/28</a:t>
+              <a:t>2020/9/13</a:t>
             </a:fld>
             <a:endParaRPr lang="zh-CN" altLang="en-US"/>
           </a:p>
@@ -2213,7 +2213,7 @@
           <a:p>
             <a:fld id="{530820CF-B880-4189-942D-D702A7CBA730}" type="datetimeFigureOut">
               <a:rPr lang="zh-CN" altLang="en-US" smtClean="0"/>
-              <a:t>2020/5/28</a:t>
+              <a:t>2020/9/13</a:t>
             </a:fld>
             <a:endParaRPr lang="zh-CN" altLang="en-US"/>
           </a:p>
@@ -2461,7 +2461,7 @@
           <a:p>
             <a:fld id="{530820CF-B880-4189-942D-D702A7CBA730}" type="datetimeFigureOut">
               <a:rPr lang="zh-CN" altLang="en-US" smtClean="0"/>
-              <a:t>2020/5/28</a:t>
+              <a:t>2020/9/13</a:t>
             </a:fld>
             <a:endParaRPr lang="zh-CN" altLang="en-US"/>
           </a:p>
@@ -2669,7 +2669,7 @@
           <a:p>
             <a:fld id="{530820CF-B880-4189-942D-D702A7CBA730}" type="datetimeFigureOut">
               <a:rPr lang="zh-CN" altLang="en-US" smtClean="0"/>
-              <a:t>2020/5/28</a:t>
+              <a:t>2020/9/13</a:t>
             </a:fld>
             <a:endParaRPr lang="zh-CN" altLang="en-US"/>
           </a:p>
@@ -3205,21 +3205,14 @@
               <a:t>Or</a:t>
             </a:r>
             <a:r>
-              <a:rPr lang="zh-CN" altLang="en-US" dirty="0" smtClean="0"/>
-              <a:t>：逻辑函数</a:t>
+              <a:rPr lang="zh-CN" altLang="en-US" smtClean="0"/>
+              <a:t>：</a:t>
+            </a:r>
+            <a:r>
+              <a:rPr lang="zh-CN" altLang="en-US" smtClean="0"/>
+              <a:t>逻辑函数</a:t>
             </a:r>
             <a:endParaRPr lang="zh-CN" altLang="zh-CN" dirty="0"/>
-          </a:p>
-          <a:p>
-            <a:r>
-              <a:rPr lang="en-US" altLang="zh-CN" dirty="0" err="1" smtClean="0"/>
-              <a:t>Iferror</a:t>
-            </a:r>
-            <a:r>
-              <a:rPr lang="zh-CN" altLang="en-US" dirty="0" smtClean="0"/>
-              <a:t>：如果错误</a:t>
-            </a:r>
-            <a:endParaRPr lang="en-US" altLang="zh-CN" dirty="0" smtClean="0"/>
           </a:p>
         </p:txBody>
       </p:sp>
